--- a/Source/Presentation/PreFinalPresentation.pptx
+++ b/Source/Presentation/PreFinalPresentation.pptx
@@ -17137,7 +17137,7 @@
         <p:spPr>
           <a:xfrm>
             <a:off x="7545881" y="3488086"/>
-            <a:ext cx="2500235" cy="400110"/>
+            <a:ext cx="3632402" cy="400110"/>
           </a:xfrm>
           <a:prstGeom prst="rect">
             <a:avLst/>
@@ -17155,7 +17155,21 @@
                 <a:latin typeface="Segoe UI" panose="020B0502040204020203" pitchFamily="34" charset="0"/>
                 <a:cs typeface="Segoe UI" panose="020B0502040204020203" pitchFamily="34" charset="0"/>
               </a:rPr>
-              <a:t>Find Suitable Store</a:t>
+              <a:t>Find Suitable </a:t>
+            </a:r>
+            <a:r>
+              <a:rPr lang="en-US" sz="2000" dirty="0" smtClean="0">
+                <a:latin typeface="Segoe UI" panose="020B0502040204020203" pitchFamily="34" charset="0"/>
+                <a:cs typeface="Segoe UI" panose="020B0502040204020203" pitchFamily="34" charset="0"/>
+              </a:rPr>
+              <a:t>Store </a:t>
+            </a:r>
+            <a:r>
+              <a:rPr lang="en-US" sz="2000" dirty="0" smtClean="0">
+                <a:latin typeface="Segoe UI" panose="020B0502040204020203" pitchFamily="34" charset="0"/>
+                <a:cs typeface="Segoe UI" panose="020B0502040204020203" pitchFamily="34" charset="0"/>
+              </a:rPr>
+              <a:t>In System</a:t>
             </a:r>
             <a:endParaRPr lang="en-US" sz="2000" dirty="0">
               <a:latin typeface="Segoe UI" panose="020B0502040204020203" pitchFamily="34" charset="0"/>

--- a/Source/Presentation/PreFinalPresentation.pptx
+++ b/Source/Presentation/PreFinalPresentation.pptx
@@ -5,7 +5,7 @@
     <p:sldMasterId id="2147483648" r:id="rId1"/>
   </p:sldMasterIdLst>
   <p:notesMasterIdLst>
-    <p:notesMasterId r:id="rId59"/>
+    <p:notesMasterId r:id="rId63"/>
   </p:notesMasterIdLst>
   <p:sldIdLst>
     <p:sldId id="258" r:id="rId2"/>
@@ -65,6 +65,10 @@
     <p:sldId id="333" r:id="rId56"/>
     <p:sldId id="334" r:id="rId57"/>
     <p:sldId id="304" r:id="rId58"/>
+    <p:sldId id="337" r:id="rId59"/>
+    <p:sldId id="338" r:id="rId60"/>
+    <p:sldId id="336" r:id="rId61"/>
+    <p:sldId id="339" r:id="rId62"/>
   </p:sldIdLst>
   <p:sldSz cx="12192000" cy="6858000"/>
   <p:notesSz cx="6858000" cy="9144000"/>
@@ -13013,6 +13017,264 @@
 </p:notes>
 </file>
 
+<file path=ppt/notesSlides/notesSlide57.xml><?xml version="1.0" encoding="utf-8"?>
+<p:notes xmlns:a="http://schemas.openxmlformats.org/drawingml/2006/main" xmlns:r="http://schemas.openxmlformats.org/officeDocument/2006/relationships" xmlns:p="http://schemas.openxmlformats.org/presentationml/2006/main">
+  <p:cSld>
+    <p:spTree>
+      <p:nvGrpSpPr>
+        <p:cNvPr id="1" name=""/>
+        <p:cNvGrpSpPr/>
+        <p:nvPr/>
+      </p:nvGrpSpPr>
+      <p:grpSpPr>
+        <a:xfrm>
+          <a:off x="0" y="0"/>
+          <a:ext cx="0" cy="0"/>
+          <a:chOff x="0" y="0"/>
+          <a:chExt cx="0" cy="0"/>
+        </a:xfrm>
+      </p:grpSpPr>
+      <p:sp>
+        <p:nvSpPr>
+          <p:cNvPr id="2" name="Slide Image Placeholder 1"/>
+          <p:cNvSpPr>
+            <a:spLocks noGrp="1" noRot="1" noChangeAspect="1"/>
+          </p:cNvSpPr>
+          <p:nvPr>
+            <p:ph type="sldImg"/>
+          </p:nvPr>
+        </p:nvSpPr>
+        <p:spPr/>
+      </p:sp>
+      <p:sp>
+        <p:nvSpPr>
+          <p:cNvPr id="3" name="Notes Placeholder 2"/>
+          <p:cNvSpPr>
+            <a:spLocks noGrp="1"/>
+          </p:cNvSpPr>
+          <p:nvPr>
+            <p:ph type="body" idx="1"/>
+          </p:nvPr>
+        </p:nvSpPr>
+        <p:spPr/>
+        <p:txBody>
+          <a:bodyPr/>
+          <a:lstStyle/>
+          <a:p>
+            <a:endParaRPr lang="en-US" baseline="0" dirty="0" smtClean="0">
+              <a:sym typeface="Wingdings" panose="05000000000000000000" pitchFamily="2" charset="2"/>
+            </a:endParaRPr>
+          </a:p>
+        </p:txBody>
+      </p:sp>
+      <p:sp>
+        <p:nvSpPr>
+          <p:cNvPr id="4" name="Slide Number Placeholder 3"/>
+          <p:cNvSpPr>
+            <a:spLocks noGrp="1"/>
+          </p:cNvSpPr>
+          <p:nvPr>
+            <p:ph type="sldNum" sz="quarter" idx="10"/>
+          </p:nvPr>
+        </p:nvSpPr>
+        <p:spPr/>
+        <p:txBody>
+          <a:bodyPr/>
+          <a:lstStyle/>
+          <a:p>
+            <a:fld id="{D079B17C-5380-48A7-9C03-9823D696B6AD}" type="slidenum">
+              <a:rPr lang="en-US" smtClean="0"/>
+              <a:t>58</a:t>
+            </a:fld>
+            <a:endParaRPr lang="en-US"/>
+          </a:p>
+        </p:txBody>
+      </p:sp>
+    </p:spTree>
+    <p:extLst>
+      <p:ext uri="{BB962C8B-B14F-4D97-AF65-F5344CB8AC3E}">
+        <p14:creationId xmlns:p14="http://schemas.microsoft.com/office/powerpoint/2010/main" val="2059065150"/>
+      </p:ext>
+    </p:extLst>
+  </p:cSld>
+  <p:clrMapOvr>
+    <a:masterClrMapping/>
+  </p:clrMapOvr>
+</p:notes>
+</file>
+
+<file path=ppt/notesSlides/notesSlide58.xml><?xml version="1.0" encoding="utf-8"?>
+<p:notes xmlns:a="http://schemas.openxmlformats.org/drawingml/2006/main" xmlns:r="http://schemas.openxmlformats.org/officeDocument/2006/relationships" xmlns:p="http://schemas.openxmlformats.org/presentationml/2006/main">
+  <p:cSld>
+    <p:spTree>
+      <p:nvGrpSpPr>
+        <p:cNvPr id="1" name=""/>
+        <p:cNvGrpSpPr/>
+        <p:nvPr/>
+      </p:nvGrpSpPr>
+      <p:grpSpPr>
+        <a:xfrm>
+          <a:off x="0" y="0"/>
+          <a:ext cx="0" cy="0"/>
+          <a:chOff x="0" y="0"/>
+          <a:chExt cx="0" cy="0"/>
+        </a:xfrm>
+      </p:grpSpPr>
+      <p:sp>
+        <p:nvSpPr>
+          <p:cNvPr id="2" name="Slide Image Placeholder 1"/>
+          <p:cNvSpPr>
+            <a:spLocks noGrp="1" noRot="1" noChangeAspect="1"/>
+          </p:cNvSpPr>
+          <p:nvPr>
+            <p:ph type="sldImg"/>
+          </p:nvPr>
+        </p:nvSpPr>
+        <p:spPr/>
+      </p:sp>
+      <p:sp>
+        <p:nvSpPr>
+          <p:cNvPr id="3" name="Notes Placeholder 2"/>
+          <p:cNvSpPr>
+            <a:spLocks noGrp="1"/>
+          </p:cNvSpPr>
+          <p:nvPr>
+            <p:ph type="body" idx="1"/>
+          </p:nvPr>
+        </p:nvSpPr>
+        <p:spPr/>
+        <p:txBody>
+          <a:bodyPr/>
+          <a:lstStyle/>
+          <a:p>
+            <a:endParaRPr lang="en-US" baseline="0" dirty="0" smtClean="0">
+              <a:sym typeface="Wingdings" panose="05000000000000000000" pitchFamily="2" charset="2"/>
+            </a:endParaRPr>
+          </a:p>
+        </p:txBody>
+      </p:sp>
+      <p:sp>
+        <p:nvSpPr>
+          <p:cNvPr id="4" name="Slide Number Placeholder 3"/>
+          <p:cNvSpPr>
+            <a:spLocks noGrp="1"/>
+          </p:cNvSpPr>
+          <p:nvPr>
+            <p:ph type="sldNum" sz="quarter" idx="10"/>
+          </p:nvPr>
+        </p:nvSpPr>
+        <p:spPr/>
+        <p:txBody>
+          <a:bodyPr/>
+          <a:lstStyle/>
+          <a:p>
+            <a:fld id="{D079B17C-5380-48A7-9C03-9823D696B6AD}" type="slidenum">
+              <a:rPr lang="en-US" smtClean="0"/>
+              <a:t>59</a:t>
+            </a:fld>
+            <a:endParaRPr lang="en-US"/>
+          </a:p>
+        </p:txBody>
+      </p:sp>
+    </p:spTree>
+    <p:extLst>
+      <p:ext uri="{BB962C8B-B14F-4D97-AF65-F5344CB8AC3E}">
+        <p14:creationId xmlns:p14="http://schemas.microsoft.com/office/powerpoint/2010/main" val="206214046"/>
+      </p:ext>
+    </p:extLst>
+  </p:cSld>
+  <p:clrMapOvr>
+    <a:masterClrMapping/>
+  </p:clrMapOvr>
+</p:notes>
+</file>
+
+<file path=ppt/notesSlides/notesSlide59.xml><?xml version="1.0" encoding="utf-8"?>
+<p:notes xmlns:a="http://schemas.openxmlformats.org/drawingml/2006/main" xmlns:r="http://schemas.openxmlformats.org/officeDocument/2006/relationships" xmlns:p="http://schemas.openxmlformats.org/presentationml/2006/main">
+  <p:cSld>
+    <p:spTree>
+      <p:nvGrpSpPr>
+        <p:cNvPr id="1" name=""/>
+        <p:cNvGrpSpPr/>
+        <p:nvPr/>
+      </p:nvGrpSpPr>
+      <p:grpSpPr>
+        <a:xfrm>
+          <a:off x="0" y="0"/>
+          <a:ext cx="0" cy="0"/>
+          <a:chOff x="0" y="0"/>
+          <a:chExt cx="0" cy="0"/>
+        </a:xfrm>
+      </p:grpSpPr>
+      <p:sp>
+        <p:nvSpPr>
+          <p:cNvPr id="2" name="Slide Image Placeholder 1"/>
+          <p:cNvSpPr>
+            <a:spLocks noGrp="1" noRot="1" noChangeAspect="1"/>
+          </p:cNvSpPr>
+          <p:nvPr>
+            <p:ph type="sldImg"/>
+          </p:nvPr>
+        </p:nvSpPr>
+        <p:spPr/>
+      </p:sp>
+      <p:sp>
+        <p:nvSpPr>
+          <p:cNvPr id="3" name="Notes Placeholder 2"/>
+          <p:cNvSpPr>
+            <a:spLocks noGrp="1"/>
+          </p:cNvSpPr>
+          <p:nvPr>
+            <p:ph type="body" idx="1"/>
+          </p:nvPr>
+        </p:nvSpPr>
+        <p:spPr/>
+        <p:txBody>
+          <a:bodyPr/>
+          <a:lstStyle/>
+          <a:p>
+            <a:endParaRPr lang="en-US" baseline="0" dirty="0" smtClean="0">
+              <a:sym typeface="Wingdings" panose="05000000000000000000" pitchFamily="2" charset="2"/>
+            </a:endParaRPr>
+          </a:p>
+        </p:txBody>
+      </p:sp>
+      <p:sp>
+        <p:nvSpPr>
+          <p:cNvPr id="4" name="Slide Number Placeholder 3"/>
+          <p:cNvSpPr>
+            <a:spLocks noGrp="1"/>
+          </p:cNvSpPr>
+          <p:nvPr>
+            <p:ph type="sldNum" sz="quarter" idx="10"/>
+          </p:nvPr>
+        </p:nvSpPr>
+        <p:spPr/>
+        <p:txBody>
+          <a:bodyPr/>
+          <a:lstStyle/>
+          <a:p>
+            <a:fld id="{D079B17C-5380-48A7-9C03-9823D696B6AD}" type="slidenum">
+              <a:rPr lang="en-US" smtClean="0"/>
+              <a:t>60</a:t>
+            </a:fld>
+            <a:endParaRPr lang="en-US"/>
+          </a:p>
+        </p:txBody>
+      </p:sp>
+    </p:spTree>
+    <p:extLst>
+      <p:ext uri="{BB962C8B-B14F-4D97-AF65-F5344CB8AC3E}">
+        <p14:creationId xmlns:p14="http://schemas.microsoft.com/office/powerpoint/2010/main" val="2951003411"/>
+      </p:ext>
+    </p:extLst>
+  </p:cSld>
+  <p:clrMapOvr>
+    <a:masterClrMapping/>
+  </p:clrMapOvr>
+</p:notes>
+</file>
+
 <file path=ppt/notesSlides/notesSlide6.xml><?xml version="1.0" encoding="utf-8"?>
 <p:notes xmlns:a="http://schemas.openxmlformats.org/drawingml/2006/main" xmlns:r="http://schemas.openxmlformats.org/officeDocument/2006/relationships" xmlns:p="http://schemas.openxmlformats.org/presentationml/2006/main">
   <p:cSld>
@@ -13090,6 +13352,92 @@
     <p:extLst>
       <p:ext uri="{BB962C8B-B14F-4D97-AF65-F5344CB8AC3E}">
         <p14:creationId xmlns:p14="http://schemas.microsoft.com/office/powerpoint/2010/main" val="1585965183"/>
+      </p:ext>
+    </p:extLst>
+  </p:cSld>
+  <p:clrMapOvr>
+    <a:masterClrMapping/>
+  </p:clrMapOvr>
+</p:notes>
+</file>
+
+<file path=ppt/notesSlides/notesSlide60.xml><?xml version="1.0" encoding="utf-8"?>
+<p:notes xmlns:a="http://schemas.openxmlformats.org/drawingml/2006/main" xmlns:r="http://schemas.openxmlformats.org/officeDocument/2006/relationships" xmlns:p="http://schemas.openxmlformats.org/presentationml/2006/main">
+  <p:cSld>
+    <p:spTree>
+      <p:nvGrpSpPr>
+        <p:cNvPr id="1" name=""/>
+        <p:cNvGrpSpPr/>
+        <p:nvPr/>
+      </p:nvGrpSpPr>
+      <p:grpSpPr>
+        <a:xfrm>
+          <a:off x="0" y="0"/>
+          <a:ext cx="0" cy="0"/>
+          <a:chOff x="0" y="0"/>
+          <a:chExt cx="0" cy="0"/>
+        </a:xfrm>
+      </p:grpSpPr>
+      <p:sp>
+        <p:nvSpPr>
+          <p:cNvPr id="2" name="Slide Image Placeholder 1"/>
+          <p:cNvSpPr>
+            <a:spLocks noGrp="1" noRot="1" noChangeAspect="1"/>
+          </p:cNvSpPr>
+          <p:nvPr>
+            <p:ph type="sldImg"/>
+          </p:nvPr>
+        </p:nvSpPr>
+        <p:spPr/>
+      </p:sp>
+      <p:sp>
+        <p:nvSpPr>
+          <p:cNvPr id="3" name="Notes Placeholder 2"/>
+          <p:cNvSpPr>
+            <a:spLocks noGrp="1"/>
+          </p:cNvSpPr>
+          <p:nvPr>
+            <p:ph type="body" idx="1"/>
+          </p:nvPr>
+        </p:nvSpPr>
+        <p:spPr/>
+        <p:txBody>
+          <a:bodyPr/>
+          <a:lstStyle/>
+          <a:p>
+            <a:endParaRPr lang="en-US" baseline="0" dirty="0" smtClean="0">
+              <a:sym typeface="Wingdings" panose="05000000000000000000" pitchFamily="2" charset="2"/>
+            </a:endParaRPr>
+          </a:p>
+        </p:txBody>
+      </p:sp>
+      <p:sp>
+        <p:nvSpPr>
+          <p:cNvPr id="4" name="Slide Number Placeholder 3"/>
+          <p:cNvSpPr>
+            <a:spLocks noGrp="1"/>
+          </p:cNvSpPr>
+          <p:nvPr>
+            <p:ph type="sldNum" sz="quarter" idx="10"/>
+          </p:nvPr>
+        </p:nvSpPr>
+        <p:spPr/>
+        <p:txBody>
+          <a:bodyPr/>
+          <a:lstStyle/>
+          <a:p>
+            <a:fld id="{D079B17C-5380-48A7-9C03-9823D696B6AD}" type="slidenum">
+              <a:rPr lang="en-US" smtClean="0"/>
+              <a:t>61</a:t>
+            </a:fld>
+            <a:endParaRPr lang="en-US"/>
+          </a:p>
+        </p:txBody>
+      </p:sp>
+    </p:spTree>
+    <p:extLst>
+      <p:ext uri="{BB962C8B-B14F-4D97-AF65-F5344CB8AC3E}">
+        <p14:creationId xmlns:p14="http://schemas.microsoft.com/office/powerpoint/2010/main" val="554722684"/>
       </p:ext>
     </p:extLst>
   </p:cSld>
@@ -26192,7 +26540,7 @@
         </p:nvSpPr>
         <p:spPr>
           <a:xfrm>
-            <a:off x="2209829" y="5838121"/>
+            <a:off x="2295393" y="5808509"/>
             <a:ext cx="5179944" cy="461665"/>
           </a:xfrm>
           <a:prstGeom prst="rect">
@@ -51385,7 +51733,7 @@
                 <a:latin typeface="Segoe UI Light" panose="020B0502040204020203" pitchFamily="34" charset="0"/>
                 <a:cs typeface="Segoe UI Light" panose="020B0502040204020203" pitchFamily="34" charset="0"/>
               </a:rPr>
-              <a:t>Manage Product</a:t>
+              <a:t>Future Plan</a:t>
             </a:r>
             <a:endParaRPr lang="en-US" sz="3600" b="1" dirty="0">
               <a:solidFill>
@@ -51420,10 +51768,638 @@
           </a:p>
         </p:txBody>
       </p:sp>
+      <p:pic>
+        <p:nvPicPr>
+          <p:cNvPr id="8" name="Picture 7"/>
+          <p:cNvPicPr>
+            <a:picLocks noChangeAspect="1"/>
+          </p:cNvPicPr>
+          <p:nvPr/>
+        </p:nvPicPr>
+        <p:blipFill>
+          <a:blip r:embed="rId3">
+            <a:extLst>
+              <a:ext uri="{28A0092B-C50C-407E-A947-70E740481C1C}">
+                <a14:useLocalDpi xmlns:a14="http://schemas.microsoft.com/office/drawing/2010/main" val="0"/>
+              </a:ext>
+            </a:extLst>
+          </a:blip>
+          <a:stretch>
+            <a:fillRect/>
+          </a:stretch>
+        </p:blipFill>
+        <p:spPr>
+          <a:xfrm>
+            <a:off x="3803297" y="1760624"/>
+            <a:ext cx="4410090" cy="4026903"/>
+          </a:xfrm>
+          <a:prstGeom prst="rect">
+            <a:avLst/>
+          </a:prstGeom>
+        </p:spPr>
+      </p:pic>
     </p:spTree>
     <p:extLst>
       <p:ext uri="{BB962C8B-B14F-4D97-AF65-F5344CB8AC3E}">
         <p14:creationId xmlns:p14="http://schemas.microsoft.com/office/powerpoint/2010/main" val="686602875"/>
+      </p:ext>
+    </p:extLst>
+  </p:cSld>
+  <p:clrMapOvr>
+    <a:masterClrMapping/>
+  </p:clrMapOvr>
+  <p:timing>
+    <p:tnLst>
+      <p:par>
+        <p:cTn id="1" dur="indefinite" restart="never" nodeType="tmRoot"/>
+      </p:par>
+    </p:tnLst>
+  </p:timing>
+</p:sld>
+</file>
+
+<file path=ppt/slides/slide58.xml><?xml version="1.0" encoding="utf-8"?>
+<p:sld xmlns:a="http://schemas.openxmlformats.org/drawingml/2006/main" xmlns:r="http://schemas.openxmlformats.org/officeDocument/2006/relationships" xmlns:p="http://schemas.openxmlformats.org/presentationml/2006/main">
+  <p:cSld>
+    <p:spTree>
+      <p:nvGrpSpPr>
+        <p:cNvPr id="1" name=""/>
+        <p:cNvGrpSpPr/>
+        <p:nvPr/>
+      </p:nvGrpSpPr>
+      <p:grpSpPr>
+        <a:xfrm>
+          <a:off x="0" y="0"/>
+          <a:ext cx="0" cy="0"/>
+          <a:chOff x="0" y="0"/>
+          <a:chExt cx="0" cy="0"/>
+        </a:xfrm>
+      </p:grpSpPr>
+      <p:sp>
+        <p:nvSpPr>
+          <p:cNvPr id="5" name="Title 1"/>
+          <p:cNvSpPr>
+            <a:spLocks noGrp="1"/>
+          </p:cNvSpPr>
+          <p:nvPr>
+            <p:ph type="title"/>
+          </p:nvPr>
+        </p:nvSpPr>
+        <p:spPr>
+          <a:xfrm>
+            <a:off x="604900" y="130595"/>
+            <a:ext cx="10515600" cy="1325563"/>
+          </a:xfrm>
+        </p:spPr>
+        <p:txBody>
+          <a:bodyPr/>
+          <a:lstStyle/>
+          <a:p>
+            <a:r>
+              <a:rPr lang="en-US" b="1" dirty="0" smtClean="0">
+                <a:solidFill>
+                  <a:schemeClr val="bg1"/>
+                </a:solidFill>
+                <a:latin typeface="Segoe UI Light" panose="020B0502040204020203" pitchFamily="34" charset="0"/>
+                <a:cs typeface="Segoe UI Light" panose="020B0502040204020203" pitchFamily="34" charset="0"/>
+              </a:rPr>
+              <a:t>Outline</a:t>
+            </a:r>
+            <a:endParaRPr lang="en-US" b="1" dirty="0">
+              <a:solidFill>
+                <a:schemeClr val="bg1"/>
+              </a:solidFill>
+              <a:latin typeface="Segoe UI Light" panose="020B0502040204020203" pitchFamily="34" charset="0"/>
+              <a:cs typeface="Segoe UI Light" panose="020B0502040204020203" pitchFamily="34" charset="0"/>
+            </a:endParaRPr>
+          </a:p>
+        </p:txBody>
+      </p:sp>
+      <p:sp>
+        <p:nvSpPr>
+          <p:cNvPr id="6" name="Rectangle 5"/>
+          <p:cNvSpPr/>
+          <p:nvPr/>
+        </p:nvSpPr>
+        <p:spPr>
+          <a:xfrm>
+            <a:off x="0" y="0"/>
+            <a:ext cx="12192000" cy="1191802"/>
+          </a:xfrm>
+          <a:prstGeom prst="rect">
+            <a:avLst/>
+          </a:prstGeom>
+          <a:solidFill>
+            <a:srgbClr val="0070C0"/>
+          </a:solidFill>
+        </p:spPr>
+        <p:style>
+          <a:lnRef idx="2">
+            <a:schemeClr val="accent1">
+              <a:shade val="50000"/>
+            </a:schemeClr>
+          </a:lnRef>
+          <a:fillRef idx="1">
+            <a:schemeClr val="accent1"/>
+          </a:fillRef>
+          <a:effectRef idx="0">
+            <a:schemeClr val="accent1"/>
+          </a:effectRef>
+          <a:fontRef idx="minor">
+            <a:schemeClr val="lt1"/>
+          </a:fontRef>
+        </p:style>
+        <p:txBody>
+          <a:bodyPr rtlCol="0" anchor="ctr"/>
+          <a:lstStyle/>
+          <a:p>
+            <a:pPr algn="ctr"/>
+            <a:endParaRPr lang="en-US" dirty="0"/>
+          </a:p>
+        </p:txBody>
+      </p:sp>
+      <p:sp>
+        <p:nvSpPr>
+          <p:cNvPr id="7" name="Title 1"/>
+          <p:cNvSpPr txBox="1">
+            <a:spLocks/>
+          </p:cNvSpPr>
+          <p:nvPr/>
+        </p:nvSpPr>
+        <p:spPr>
+          <a:xfrm>
+            <a:off x="277402" y="130595"/>
+            <a:ext cx="11461881" cy="937917"/>
+          </a:xfrm>
+          <a:prstGeom prst="rect">
+            <a:avLst/>
+          </a:prstGeom>
+        </p:spPr>
+        <p:txBody>
+          <a:bodyPr vert="horz" lIns="91440" tIns="45720" rIns="91440" bIns="45720" rtlCol="0" anchor="ctr">
+            <a:normAutofit/>
+          </a:bodyPr>
+          <a:lstStyle>
+            <a:lvl1pPr algn="l" defTabSz="914400" rtl="0" eaLnBrk="1" latinLnBrk="0" hangingPunct="1">
+              <a:lnSpc>
+                <a:spcPct val="90000"/>
+              </a:lnSpc>
+              <a:spcBef>
+                <a:spcPct val="0"/>
+              </a:spcBef>
+              <a:buNone/>
+              <a:defRPr sz="4400" kern="1200">
+                <a:solidFill>
+                  <a:schemeClr val="tx1"/>
+                </a:solidFill>
+                <a:latin typeface="+mj-lt"/>
+                <a:ea typeface="+mj-ea"/>
+                <a:cs typeface="+mj-cs"/>
+              </a:defRPr>
+            </a:lvl1pPr>
+          </a:lstStyle>
+          <a:p>
+            <a:r>
+              <a:rPr lang="en-US" sz="3600" b="1" dirty="0" smtClean="0">
+                <a:solidFill>
+                  <a:schemeClr val="bg1"/>
+                </a:solidFill>
+                <a:latin typeface="Segoe UI Light" panose="020B0502040204020203" pitchFamily="34" charset="0"/>
+                <a:cs typeface="Segoe UI Light" panose="020B0502040204020203" pitchFamily="34" charset="0"/>
+              </a:rPr>
+              <a:t>Future Plan</a:t>
+            </a:r>
+            <a:endParaRPr lang="en-US" sz="3600" b="1" dirty="0">
+              <a:solidFill>
+                <a:schemeClr val="bg1"/>
+              </a:solidFill>
+              <a:latin typeface="Segoe UI Light" panose="020B0502040204020203" pitchFamily="34" charset="0"/>
+              <a:cs typeface="Segoe UI Light" panose="020B0502040204020203" pitchFamily="34" charset="0"/>
+            </a:endParaRPr>
+          </a:p>
+        </p:txBody>
+      </p:sp>
+      <p:sp>
+        <p:nvSpPr>
+          <p:cNvPr id="2" name="Slide Number Placeholder 1"/>
+          <p:cNvSpPr>
+            <a:spLocks noGrp="1"/>
+          </p:cNvSpPr>
+          <p:nvPr>
+            <p:ph type="sldNum" sz="quarter" idx="12"/>
+          </p:nvPr>
+        </p:nvSpPr>
+        <p:spPr/>
+        <p:txBody>
+          <a:bodyPr/>
+          <a:lstStyle/>
+          <a:p>
+            <a:fld id="{A96A1E58-6160-45E4-B670-5DE2F360A613}" type="slidenum">
+              <a:rPr lang="en-US" smtClean="0"/>
+              <a:t>58</a:t>
+            </a:fld>
+            <a:endParaRPr lang="en-US" dirty="0"/>
+          </a:p>
+        </p:txBody>
+      </p:sp>
+      <p:pic>
+        <p:nvPicPr>
+          <p:cNvPr id="9" name="Picture 8"/>
+          <p:cNvPicPr>
+            <a:picLocks noChangeAspect="1"/>
+          </p:cNvPicPr>
+          <p:nvPr/>
+        </p:nvPicPr>
+        <p:blipFill>
+          <a:blip r:embed="rId3">
+            <a:extLst>
+              <a:ext uri="{28A0092B-C50C-407E-A947-70E740481C1C}">
+                <a14:useLocalDpi xmlns:a14="http://schemas.microsoft.com/office/drawing/2010/main" val="0"/>
+              </a:ext>
+            </a:extLst>
+          </a:blip>
+          <a:stretch>
+            <a:fillRect/>
+          </a:stretch>
+        </p:blipFill>
+        <p:spPr>
+          <a:xfrm>
+            <a:off x="2039558" y="2367317"/>
+            <a:ext cx="2297710" cy="2297710"/>
+          </a:xfrm>
+          <a:prstGeom prst="rect">
+            <a:avLst/>
+          </a:prstGeom>
+        </p:spPr>
+      </p:pic>
+      <p:pic>
+        <p:nvPicPr>
+          <p:cNvPr id="10" name="Picture 9"/>
+          <p:cNvPicPr>
+            <a:picLocks noChangeAspect="1"/>
+          </p:cNvPicPr>
+          <p:nvPr/>
+        </p:nvPicPr>
+        <p:blipFill>
+          <a:blip r:embed="rId4">
+            <a:extLst>
+              <a:ext uri="{28A0092B-C50C-407E-A947-70E740481C1C}">
+                <a14:useLocalDpi xmlns:a14="http://schemas.microsoft.com/office/drawing/2010/main" val="0"/>
+              </a:ext>
+            </a:extLst>
+          </a:blip>
+          <a:stretch>
+            <a:fillRect/>
+          </a:stretch>
+        </p:blipFill>
+        <p:spPr>
+          <a:xfrm>
+            <a:off x="5449231" y="2902147"/>
+            <a:ext cx="1879668" cy="1228050"/>
+          </a:xfrm>
+          <a:prstGeom prst="rect">
+            <a:avLst/>
+          </a:prstGeom>
+        </p:spPr>
+      </p:pic>
+      <p:pic>
+        <p:nvPicPr>
+          <p:cNvPr id="11" name="Picture 10"/>
+          <p:cNvPicPr>
+            <a:picLocks noChangeAspect="1"/>
+          </p:cNvPicPr>
+          <p:nvPr/>
+        </p:nvPicPr>
+        <p:blipFill>
+          <a:blip r:embed="rId5">
+            <a:extLst>
+              <a:ext uri="{28A0092B-C50C-407E-A947-70E740481C1C}">
+                <a14:useLocalDpi xmlns:a14="http://schemas.microsoft.com/office/drawing/2010/main" val="0"/>
+              </a:ext>
+            </a:extLst>
+          </a:blip>
+          <a:stretch>
+            <a:fillRect/>
+          </a:stretch>
+        </p:blipFill>
+        <p:spPr>
+          <a:xfrm>
+            <a:off x="8577571" y="2552410"/>
+            <a:ext cx="1685122" cy="1685122"/>
+          </a:xfrm>
+          <a:prstGeom prst="rect">
+            <a:avLst/>
+          </a:prstGeom>
+        </p:spPr>
+      </p:pic>
+      <p:sp>
+        <p:nvSpPr>
+          <p:cNvPr id="12" name="Rectangle 11"/>
+          <p:cNvSpPr/>
+          <p:nvPr/>
+        </p:nvSpPr>
+        <p:spPr>
+          <a:xfrm>
+            <a:off x="3439113" y="5576187"/>
+            <a:ext cx="5138458" cy="461665"/>
+          </a:xfrm>
+          <a:prstGeom prst="rect">
+            <a:avLst/>
+          </a:prstGeom>
+        </p:spPr>
+        <p:txBody>
+          <a:bodyPr wrap="none">
+            <a:spAutoFit/>
+          </a:bodyPr>
+          <a:lstStyle/>
+          <a:p>
+            <a:r>
+              <a:rPr lang="en-US" sz="2400" b="1" dirty="0" smtClean="0">
+                <a:latin typeface="Segoe UI" panose="020B0502040204020203" pitchFamily="34" charset="0"/>
+                <a:cs typeface="Segoe UI" panose="020B0502040204020203" pitchFamily="34" charset="0"/>
+              </a:rPr>
+              <a:t>Suggest price from other websites</a:t>
+            </a:r>
+            <a:endParaRPr lang="en-US" sz="2400" b="1" dirty="0">
+              <a:latin typeface="Segoe UI" panose="020B0502040204020203" pitchFamily="34" charset="0"/>
+              <a:cs typeface="Segoe UI" panose="020B0502040204020203" pitchFamily="34" charset="0"/>
+            </a:endParaRPr>
+          </a:p>
+        </p:txBody>
+      </p:sp>
+    </p:spTree>
+    <p:extLst>
+      <p:ext uri="{BB962C8B-B14F-4D97-AF65-F5344CB8AC3E}">
+        <p14:creationId xmlns:p14="http://schemas.microsoft.com/office/powerpoint/2010/main" val="1887393713"/>
+      </p:ext>
+    </p:extLst>
+  </p:cSld>
+  <p:clrMapOvr>
+    <a:masterClrMapping/>
+  </p:clrMapOvr>
+  <p:timing>
+    <p:tnLst>
+      <p:par>
+        <p:cTn id="1" dur="indefinite" restart="never" nodeType="tmRoot"/>
+      </p:par>
+    </p:tnLst>
+  </p:timing>
+</p:sld>
+</file>
+
+<file path=ppt/slides/slide59.xml><?xml version="1.0" encoding="utf-8"?>
+<p:sld xmlns:a="http://schemas.openxmlformats.org/drawingml/2006/main" xmlns:r="http://schemas.openxmlformats.org/officeDocument/2006/relationships" xmlns:p="http://schemas.openxmlformats.org/presentationml/2006/main">
+  <p:cSld>
+    <p:spTree>
+      <p:nvGrpSpPr>
+        <p:cNvPr id="1" name=""/>
+        <p:cNvGrpSpPr/>
+        <p:nvPr/>
+      </p:nvGrpSpPr>
+      <p:grpSpPr>
+        <a:xfrm>
+          <a:off x="0" y="0"/>
+          <a:ext cx="0" cy="0"/>
+          <a:chOff x="0" y="0"/>
+          <a:chExt cx="0" cy="0"/>
+        </a:xfrm>
+      </p:grpSpPr>
+      <p:sp>
+        <p:nvSpPr>
+          <p:cNvPr id="5" name="Title 1"/>
+          <p:cNvSpPr>
+            <a:spLocks noGrp="1"/>
+          </p:cNvSpPr>
+          <p:nvPr>
+            <p:ph type="title"/>
+          </p:nvPr>
+        </p:nvSpPr>
+        <p:spPr>
+          <a:xfrm>
+            <a:off x="604900" y="130595"/>
+            <a:ext cx="10515600" cy="1325563"/>
+          </a:xfrm>
+        </p:spPr>
+        <p:txBody>
+          <a:bodyPr/>
+          <a:lstStyle/>
+          <a:p>
+            <a:r>
+              <a:rPr lang="en-US" b="1" dirty="0" smtClean="0">
+                <a:solidFill>
+                  <a:schemeClr val="bg1"/>
+                </a:solidFill>
+                <a:latin typeface="Segoe UI Light" panose="020B0502040204020203" pitchFamily="34" charset="0"/>
+                <a:cs typeface="Segoe UI Light" panose="020B0502040204020203" pitchFamily="34" charset="0"/>
+              </a:rPr>
+              <a:t>Outline</a:t>
+            </a:r>
+            <a:endParaRPr lang="en-US" b="1" dirty="0">
+              <a:solidFill>
+                <a:schemeClr val="bg1"/>
+              </a:solidFill>
+              <a:latin typeface="Segoe UI Light" panose="020B0502040204020203" pitchFamily="34" charset="0"/>
+              <a:cs typeface="Segoe UI Light" panose="020B0502040204020203" pitchFamily="34" charset="0"/>
+            </a:endParaRPr>
+          </a:p>
+        </p:txBody>
+      </p:sp>
+      <p:sp>
+        <p:nvSpPr>
+          <p:cNvPr id="6" name="Rectangle 5"/>
+          <p:cNvSpPr/>
+          <p:nvPr/>
+        </p:nvSpPr>
+        <p:spPr>
+          <a:xfrm>
+            <a:off x="0" y="0"/>
+            <a:ext cx="12192000" cy="1191802"/>
+          </a:xfrm>
+          <a:prstGeom prst="rect">
+            <a:avLst/>
+          </a:prstGeom>
+          <a:solidFill>
+            <a:srgbClr val="0070C0"/>
+          </a:solidFill>
+        </p:spPr>
+        <p:style>
+          <a:lnRef idx="2">
+            <a:schemeClr val="accent1">
+              <a:shade val="50000"/>
+            </a:schemeClr>
+          </a:lnRef>
+          <a:fillRef idx="1">
+            <a:schemeClr val="accent1"/>
+          </a:fillRef>
+          <a:effectRef idx="0">
+            <a:schemeClr val="accent1"/>
+          </a:effectRef>
+          <a:fontRef idx="minor">
+            <a:schemeClr val="lt1"/>
+          </a:fontRef>
+        </p:style>
+        <p:txBody>
+          <a:bodyPr rtlCol="0" anchor="ctr"/>
+          <a:lstStyle/>
+          <a:p>
+            <a:pPr algn="ctr"/>
+            <a:endParaRPr lang="en-US" dirty="0"/>
+          </a:p>
+        </p:txBody>
+      </p:sp>
+      <p:sp>
+        <p:nvSpPr>
+          <p:cNvPr id="7" name="Title 1"/>
+          <p:cNvSpPr txBox="1">
+            <a:spLocks/>
+          </p:cNvSpPr>
+          <p:nvPr/>
+        </p:nvSpPr>
+        <p:spPr>
+          <a:xfrm>
+            <a:off x="277402" y="130595"/>
+            <a:ext cx="11461881" cy="937917"/>
+          </a:xfrm>
+          <a:prstGeom prst="rect">
+            <a:avLst/>
+          </a:prstGeom>
+        </p:spPr>
+        <p:txBody>
+          <a:bodyPr vert="horz" lIns="91440" tIns="45720" rIns="91440" bIns="45720" rtlCol="0" anchor="ctr">
+            <a:normAutofit/>
+          </a:bodyPr>
+          <a:lstStyle>
+            <a:lvl1pPr algn="l" defTabSz="914400" rtl="0" eaLnBrk="1" latinLnBrk="0" hangingPunct="1">
+              <a:lnSpc>
+                <a:spcPct val="90000"/>
+              </a:lnSpc>
+              <a:spcBef>
+                <a:spcPct val="0"/>
+              </a:spcBef>
+              <a:buNone/>
+              <a:defRPr sz="4400" kern="1200">
+                <a:solidFill>
+                  <a:schemeClr val="tx1"/>
+                </a:solidFill>
+                <a:latin typeface="+mj-lt"/>
+                <a:ea typeface="+mj-ea"/>
+                <a:cs typeface="+mj-cs"/>
+              </a:defRPr>
+            </a:lvl1pPr>
+          </a:lstStyle>
+          <a:p>
+            <a:r>
+              <a:rPr lang="en-US" sz="3600" b="1" dirty="0" smtClean="0">
+                <a:solidFill>
+                  <a:schemeClr val="bg1"/>
+                </a:solidFill>
+                <a:latin typeface="Segoe UI Light" panose="020B0502040204020203" pitchFamily="34" charset="0"/>
+                <a:cs typeface="Segoe UI Light" panose="020B0502040204020203" pitchFamily="34" charset="0"/>
+              </a:rPr>
+              <a:t>Future Plan</a:t>
+            </a:r>
+            <a:endParaRPr lang="en-US" sz="3600" b="1" dirty="0">
+              <a:solidFill>
+                <a:schemeClr val="bg1"/>
+              </a:solidFill>
+              <a:latin typeface="Segoe UI Light" panose="020B0502040204020203" pitchFamily="34" charset="0"/>
+              <a:cs typeface="Segoe UI Light" panose="020B0502040204020203" pitchFamily="34" charset="0"/>
+            </a:endParaRPr>
+          </a:p>
+        </p:txBody>
+      </p:sp>
+      <p:sp>
+        <p:nvSpPr>
+          <p:cNvPr id="2" name="Slide Number Placeholder 1"/>
+          <p:cNvSpPr>
+            <a:spLocks noGrp="1"/>
+          </p:cNvSpPr>
+          <p:nvPr>
+            <p:ph type="sldNum" sz="quarter" idx="12"/>
+          </p:nvPr>
+        </p:nvSpPr>
+        <p:spPr/>
+        <p:txBody>
+          <a:bodyPr/>
+          <a:lstStyle/>
+          <a:p>
+            <a:fld id="{A96A1E58-6160-45E4-B670-5DE2F360A613}" type="slidenum">
+              <a:rPr lang="en-US" smtClean="0"/>
+              <a:t>59</a:t>
+            </a:fld>
+            <a:endParaRPr lang="en-US" dirty="0"/>
+          </a:p>
+        </p:txBody>
+      </p:sp>
+      <p:sp>
+        <p:nvSpPr>
+          <p:cNvPr id="12" name="Rectangle 11"/>
+          <p:cNvSpPr/>
+          <p:nvPr/>
+        </p:nvSpPr>
+        <p:spPr>
+          <a:xfrm>
+            <a:off x="3439113" y="5576187"/>
+            <a:ext cx="5138458" cy="461665"/>
+          </a:xfrm>
+          <a:prstGeom prst="rect">
+            <a:avLst/>
+          </a:prstGeom>
+        </p:spPr>
+        <p:txBody>
+          <a:bodyPr wrap="none">
+            <a:spAutoFit/>
+          </a:bodyPr>
+          <a:lstStyle/>
+          <a:p>
+            <a:r>
+              <a:rPr lang="en-US" sz="2400" b="1" dirty="0" smtClean="0">
+                <a:latin typeface="Segoe UI" panose="020B0502040204020203" pitchFamily="34" charset="0"/>
+                <a:cs typeface="Segoe UI" panose="020B0502040204020203" pitchFamily="34" charset="0"/>
+              </a:rPr>
+              <a:t>Suggest price from other websites</a:t>
+            </a:r>
+            <a:endParaRPr lang="en-US" sz="2400" b="1" dirty="0">
+              <a:latin typeface="Segoe UI" panose="020B0502040204020203" pitchFamily="34" charset="0"/>
+              <a:cs typeface="Segoe UI" panose="020B0502040204020203" pitchFamily="34" charset="0"/>
+            </a:endParaRPr>
+          </a:p>
+        </p:txBody>
+      </p:sp>
+      <p:pic>
+        <p:nvPicPr>
+          <p:cNvPr id="13" name="Picture 12"/>
+          <p:cNvPicPr>
+            <a:picLocks noChangeAspect="1"/>
+          </p:cNvPicPr>
+          <p:nvPr/>
+        </p:nvPicPr>
+        <p:blipFill>
+          <a:blip r:embed="rId3">
+            <a:extLst>
+              <a:ext uri="{28A0092B-C50C-407E-A947-70E740481C1C}">
+                <a14:useLocalDpi xmlns:a14="http://schemas.microsoft.com/office/drawing/2010/main" val="0"/>
+              </a:ext>
+            </a:extLst>
+          </a:blip>
+          <a:stretch>
+            <a:fillRect/>
+          </a:stretch>
+        </p:blipFill>
+        <p:spPr>
+          <a:xfrm>
+            <a:off x="4065242" y="1819331"/>
+            <a:ext cx="3886200" cy="3492500"/>
+          </a:xfrm>
+          <a:prstGeom prst="rect">
+            <a:avLst/>
+          </a:prstGeom>
+        </p:spPr>
+      </p:pic>
+    </p:spTree>
+    <p:extLst>
+      <p:ext uri="{BB962C8B-B14F-4D97-AF65-F5344CB8AC3E}">
+        <p14:creationId xmlns:p14="http://schemas.microsoft.com/office/powerpoint/2010/main" val="822456078"/>
       </p:ext>
     </p:extLst>
   </p:cSld>
@@ -52018,6 +52994,456 @@
     <p:extLst>
       <p:ext uri="{BB962C8B-B14F-4D97-AF65-F5344CB8AC3E}">
         <p14:creationId xmlns:p14="http://schemas.microsoft.com/office/powerpoint/2010/main" val="3015160519"/>
+      </p:ext>
+    </p:extLst>
+  </p:cSld>
+  <p:clrMapOvr>
+    <a:masterClrMapping/>
+  </p:clrMapOvr>
+  <p:timing>
+    <p:tnLst>
+      <p:par>
+        <p:cTn id="1" dur="indefinite" restart="never" nodeType="tmRoot"/>
+      </p:par>
+    </p:tnLst>
+  </p:timing>
+</p:sld>
+</file>
+
+<file path=ppt/slides/slide60.xml><?xml version="1.0" encoding="utf-8"?>
+<p:sld xmlns:a="http://schemas.openxmlformats.org/drawingml/2006/main" xmlns:r="http://schemas.openxmlformats.org/officeDocument/2006/relationships" xmlns:p="http://schemas.openxmlformats.org/presentationml/2006/main">
+  <p:cSld>
+    <p:spTree>
+      <p:nvGrpSpPr>
+        <p:cNvPr id="1" name=""/>
+        <p:cNvGrpSpPr/>
+        <p:nvPr/>
+      </p:nvGrpSpPr>
+      <p:grpSpPr>
+        <a:xfrm>
+          <a:off x="0" y="0"/>
+          <a:ext cx="0" cy="0"/>
+          <a:chOff x="0" y="0"/>
+          <a:chExt cx="0" cy="0"/>
+        </a:xfrm>
+      </p:grpSpPr>
+      <p:sp>
+        <p:nvSpPr>
+          <p:cNvPr id="5" name="Title 1"/>
+          <p:cNvSpPr>
+            <a:spLocks noGrp="1"/>
+          </p:cNvSpPr>
+          <p:nvPr>
+            <p:ph type="title"/>
+          </p:nvPr>
+        </p:nvSpPr>
+        <p:spPr>
+          <a:xfrm>
+            <a:off x="604900" y="130595"/>
+            <a:ext cx="10515600" cy="1325563"/>
+          </a:xfrm>
+        </p:spPr>
+        <p:txBody>
+          <a:bodyPr/>
+          <a:lstStyle/>
+          <a:p>
+            <a:r>
+              <a:rPr lang="en-US" b="1" dirty="0" smtClean="0">
+                <a:solidFill>
+                  <a:schemeClr val="bg1"/>
+                </a:solidFill>
+                <a:latin typeface="Segoe UI Light" panose="020B0502040204020203" pitchFamily="34" charset="0"/>
+                <a:cs typeface="Segoe UI Light" panose="020B0502040204020203" pitchFamily="34" charset="0"/>
+              </a:rPr>
+              <a:t>Outline</a:t>
+            </a:r>
+            <a:endParaRPr lang="en-US" b="1" dirty="0">
+              <a:solidFill>
+                <a:schemeClr val="bg1"/>
+              </a:solidFill>
+              <a:latin typeface="Segoe UI Light" panose="020B0502040204020203" pitchFamily="34" charset="0"/>
+              <a:cs typeface="Segoe UI Light" panose="020B0502040204020203" pitchFamily="34" charset="0"/>
+            </a:endParaRPr>
+          </a:p>
+        </p:txBody>
+      </p:sp>
+      <p:sp>
+        <p:nvSpPr>
+          <p:cNvPr id="6" name="Rectangle 5"/>
+          <p:cNvSpPr/>
+          <p:nvPr/>
+        </p:nvSpPr>
+        <p:spPr>
+          <a:xfrm>
+            <a:off x="0" y="0"/>
+            <a:ext cx="12192000" cy="1191802"/>
+          </a:xfrm>
+          <a:prstGeom prst="rect">
+            <a:avLst/>
+          </a:prstGeom>
+          <a:solidFill>
+            <a:srgbClr val="0070C0"/>
+          </a:solidFill>
+        </p:spPr>
+        <p:style>
+          <a:lnRef idx="2">
+            <a:schemeClr val="accent1">
+              <a:shade val="50000"/>
+            </a:schemeClr>
+          </a:lnRef>
+          <a:fillRef idx="1">
+            <a:schemeClr val="accent1"/>
+          </a:fillRef>
+          <a:effectRef idx="0">
+            <a:schemeClr val="accent1"/>
+          </a:effectRef>
+          <a:fontRef idx="minor">
+            <a:schemeClr val="lt1"/>
+          </a:fontRef>
+        </p:style>
+        <p:txBody>
+          <a:bodyPr rtlCol="0" anchor="ctr"/>
+          <a:lstStyle/>
+          <a:p>
+            <a:pPr algn="ctr"/>
+            <a:endParaRPr lang="en-US" dirty="0"/>
+          </a:p>
+        </p:txBody>
+      </p:sp>
+      <p:sp>
+        <p:nvSpPr>
+          <p:cNvPr id="7" name="Title 1"/>
+          <p:cNvSpPr txBox="1">
+            <a:spLocks/>
+          </p:cNvSpPr>
+          <p:nvPr/>
+        </p:nvSpPr>
+        <p:spPr>
+          <a:xfrm>
+            <a:off x="277402" y="130595"/>
+            <a:ext cx="11461881" cy="937917"/>
+          </a:xfrm>
+          <a:prstGeom prst="rect">
+            <a:avLst/>
+          </a:prstGeom>
+        </p:spPr>
+        <p:txBody>
+          <a:bodyPr vert="horz" lIns="91440" tIns="45720" rIns="91440" bIns="45720" rtlCol="0" anchor="ctr">
+            <a:normAutofit/>
+          </a:bodyPr>
+          <a:lstStyle>
+            <a:lvl1pPr algn="l" defTabSz="914400" rtl="0" eaLnBrk="1" latinLnBrk="0" hangingPunct="1">
+              <a:lnSpc>
+                <a:spcPct val="90000"/>
+              </a:lnSpc>
+              <a:spcBef>
+                <a:spcPct val="0"/>
+              </a:spcBef>
+              <a:buNone/>
+              <a:defRPr sz="4400" kern="1200">
+                <a:solidFill>
+                  <a:schemeClr val="tx1"/>
+                </a:solidFill>
+                <a:latin typeface="+mj-lt"/>
+                <a:ea typeface="+mj-ea"/>
+                <a:cs typeface="+mj-cs"/>
+              </a:defRPr>
+            </a:lvl1pPr>
+          </a:lstStyle>
+          <a:p>
+            <a:endParaRPr lang="en-US" sz="3600" b="1" dirty="0">
+              <a:solidFill>
+                <a:schemeClr val="bg1"/>
+              </a:solidFill>
+              <a:latin typeface="Segoe UI Light" panose="020B0502040204020203" pitchFamily="34" charset="0"/>
+              <a:cs typeface="Segoe UI Light" panose="020B0502040204020203" pitchFamily="34" charset="0"/>
+            </a:endParaRPr>
+          </a:p>
+        </p:txBody>
+      </p:sp>
+      <p:sp>
+        <p:nvSpPr>
+          <p:cNvPr id="2" name="Slide Number Placeholder 1"/>
+          <p:cNvSpPr>
+            <a:spLocks noGrp="1"/>
+          </p:cNvSpPr>
+          <p:nvPr>
+            <p:ph type="sldNum" sz="quarter" idx="12"/>
+          </p:nvPr>
+        </p:nvSpPr>
+        <p:spPr/>
+        <p:txBody>
+          <a:bodyPr/>
+          <a:lstStyle/>
+          <a:p>
+            <a:fld id="{A96A1E58-6160-45E4-B670-5DE2F360A613}" type="slidenum">
+              <a:rPr lang="en-US" smtClean="0"/>
+              <a:t>60</a:t>
+            </a:fld>
+            <a:endParaRPr lang="en-US" dirty="0"/>
+          </a:p>
+        </p:txBody>
+      </p:sp>
+      <p:sp>
+        <p:nvSpPr>
+          <p:cNvPr id="8" name="TextBox 7"/>
+          <p:cNvSpPr txBox="1"/>
+          <p:nvPr/>
+        </p:nvSpPr>
+        <p:spPr>
+          <a:xfrm>
+            <a:off x="92467" y="3087900"/>
+            <a:ext cx="12192000" cy="1107996"/>
+          </a:xfrm>
+          <a:prstGeom prst="rect">
+            <a:avLst/>
+          </a:prstGeom>
+          <a:noFill/>
+        </p:spPr>
+        <p:txBody>
+          <a:bodyPr wrap="square" rtlCol="0">
+            <a:spAutoFit/>
+          </a:bodyPr>
+          <a:lstStyle/>
+          <a:p>
+            <a:pPr algn="ctr"/>
+            <a:r>
+              <a:rPr lang="en-US" sz="6600" dirty="0" smtClean="0"/>
+              <a:t>Thank you for your listening !!!</a:t>
+            </a:r>
+            <a:endParaRPr lang="en-US" sz="6600" dirty="0"/>
+          </a:p>
+        </p:txBody>
+      </p:sp>
+    </p:spTree>
+    <p:extLst>
+      <p:ext uri="{BB962C8B-B14F-4D97-AF65-F5344CB8AC3E}">
+        <p14:creationId xmlns:p14="http://schemas.microsoft.com/office/powerpoint/2010/main" val="2280545727"/>
+      </p:ext>
+    </p:extLst>
+  </p:cSld>
+  <p:clrMapOvr>
+    <a:masterClrMapping/>
+  </p:clrMapOvr>
+  <p:timing>
+    <p:tnLst>
+      <p:par>
+        <p:cTn id="1" dur="indefinite" restart="never" nodeType="tmRoot"/>
+      </p:par>
+    </p:tnLst>
+  </p:timing>
+</p:sld>
+</file>
+
+<file path=ppt/slides/slide61.xml><?xml version="1.0" encoding="utf-8"?>
+<p:sld xmlns:a="http://schemas.openxmlformats.org/drawingml/2006/main" xmlns:r="http://schemas.openxmlformats.org/officeDocument/2006/relationships" xmlns:p="http://schemas.openxmlformats.org/presentationml/2006/main">
+  <p:cSld>
+    <p:spTree>
+      <p:nvGrpSpPr>
+        <p:cNvPr id="1" name=""/>
+        <p:cNvGrpSpPr/>
+        <p:nvPr/>
+      </p:nvGrpSpPr>
+      <p:grpSpPr>
+        <a:xfrm>
+          <a:off x="0" y="0"/>
+          <a:ext cx="0" cy="0"/>
+          <a:chOff x="0" y="0"/>
+          <a:chExt cx="0" cy="0"/>
+        </a:xfrm>
+      </p:grpSpPr>
+      <p:sp>
+        <p:nvSpPr>
+          <p:cNvPr id="5" name="Title 1"/>
+          <p:cNvSpPr>
+            <a:spLocks noGrp="1"/>
+          </p:cNvSpPr>
+          <p:nvPr>
+            <p:ph type="title"/>
+          </p:nvPr>
+        </p:nvSpPr>
+        <p:spPr>
+          <a:xfrm>
+            <a:off x="604900" y="130595"/>
+            <a:ext cx="10515600" cy="1325563"/>
+          </a:xfrm>
+        </p:spPr>
+        <p:txBody>
+          <a:bodyPr/>
+          <a:lstStyle/>
+          <a:p>
+            <a:r>
+              <a:rPr lang="en-US" b="1" dirty="0" smtClean="0">
+                <a:solidFill>
+                  <a:schemeClr val="bg1"/>
+                </a:solidFill>
+                <a:latin typeface="Segoe UI Light" panose="020B0502040204020203" pitchFamily="34" charset="0"/>
+                <a:cs typeface="Segoe UI Light" panose="020B0502040204020203" pitchFamily="34" charset="0"/>
+              </a:rPr>
+              <a:t>Outline</a:t>
+            </a:r>
+            <a:endParaRPr lang="en-US" b="1" dirty="0">
+              <a:solidFill>
+                <a:schemeClr val="bg1"/>
+              </a:solidFill>
+              <a:latin typeface="Segoe UI Light" panose="020B0502040204020203" pitchFamily="34" charset="0"/>
+              <a:cs typeface="Segoe UI Light" panose="020B0502040204020203" pitchFamily="34" charset="0"/>
+            </a:endParaRPr>
+          </a:p>
+        </p:txBody>
+      </p:sp>
+      <p:sp>
+        <p:nvSpPr>
+          <p:cNvPr id="6" name="Rectangle 5"/>
+          <p:cNvSpPr/>
+          <p:nvPr/>
+        </p:nvSpPr>
+        <p:spPr>
+          <a:xfrm>
+            <a:off x="0" y="0"/>
+            <a:ext cx="12192000" cy="1191802"/>
+          </a:xfrm>
+          <a:prstGeom prst="rect">
+            <a:avLst/>
+          </a:prstGeom>
+          <a:solidFill>
+            <a:srgbClr val="0070C0"/>
+          </a:solidFill>
+        </p:spPr>
+        <p:style>
+          <a:lnRef idx="2">
+            <a:schemeClr val="accent1">
+              <a:shade val="50000"/>
+            </a:schemeClr>
+          </a:lnRef>
+          <a:fillRef idx="1">
+            <a:schemeClr val="accent1"/>
+          </a:fillRef>
+          <a:effectRef idx="0">
+            <a:schemeClr val="accent1"/>
+          </a:effectRef>
+          <a:fontRef idx="minor">
+            <a:schemeClr val="lt1"/>
+          </a:fontRef>
+        </p:style>
+        <p:txBody>
+          <a:bodyPr rtlCol="0" anchor="ctr"/>
+          <a:lstStyle/>
+          <a:p>
+            <a:pPr algn="ctr"/>
+            <a:endParaRPr lang="en-US" dirty="0"/>
+          </a:p>
+        </p:txBody>
+      </p:sp>
+      <p:sp>
+        <p:nvSpPr>
+          <p:cNvPr id="7" name="Title 1"/>
+          <p:cNvSpPr txBox="1">
+            <a:spLocks/>
+          </p:cNvSpPr>
+          <p:nvPr/>
+        </p:nvSpPr>
+        <p:spPr>
+          <a:xfrm>
+            <a:off x="277402" y="130595"/>
+            <a:ext cx="11461881" cy="937917"/>
+          </a:xfrm>
+          <a:prstGeom prst="rect">
+            <a:avLst/>
+          </a:prstGeom>
+        </p:spPr>
+        <p:txBody>
+          <a:bodyPr vert="horz" lIns="91440" tIns="45720" rIns="91440" bIns="45720" rtlCol="0" anchor="ctr">
+            <a:normAutofit/>
+          </a:bodyPr>
+          <a:lstStyle>
+            <a:lvl1pPr algn="l" defTabSz="914400" rtl="0" eaLnBrk="1" latinLnBrk="0" hangingPunct="1">
+              <a:lnSpc>
+                <a:spcPct val="90000"/>
+              </a:lnSpc>
+              <a:spcBef>
+                <a:spcPct val="0"/>
+              </a:spcBef>
+              <a:buNone/>
+              <a:defRPr sz="4400" kern="1200">
+                <a:solidFill>
+                  <a:schemeClr val="tx1"/>
+                </a:solidFill>
+                <a:latin typeface="+mj-lt"/>
+                <a:ea typeface="+mj-ea"/>
+                <a:cs typeface="+mj-cs"/>
+              </a:defRPr>
+            </a:lvl1pPr>
+          </a:lstStyle>
+          <a:p>
+            <a:endParaRPr lang="en-US" sz="3600" b="1" dirty="0">
+              <a:solidFill>
+                <a:schemeClr val="bg1"/>
+              </a:solidFill>
+              <a:latin typeface="Segoe UI Light" panose="020B0502040204020203" pitchFamily="34" charset="0"/>
+              <a:cs typeface="Segoe UI Light" panose="020B0502040204020203" pitchFamily="34" charset="0"/>
+            </a:endParaRPr>
+          </a:p>
+        </p:txBody>
+      </p:sp>
+      <p:sp>
+        <p:nvSpPr>
+          <p:cNvPr id="2" name="Slide Number Placeholder 1"/>
+          <p:cNvSpPr>
+            <a:spLocks noGrp="1"/>
+          </p:cNvSpPr>
+          <p:nvPr>
+            <p:ph type="sldNum" sz="quarter" idx="12"/>
+          </p:nvPr>
+        </p:nvSpPr>
+        <p:spPr/>
+        <p:txBody>
+          <a:bodyPr/>
+          <a:lstStyle/>
+          <a:p>
+            <a:fld id="{A96A1E58-6160-45E4-B670-5DE2F360A613}" type="slidenum">
+              <a:rPr lang="en-US" smtClean="0"/>
+              <a:t>61</a:t>
+            </a:fld>
+            <a:endParaRPr lang="en-US" dirty="0"/>
+          </a:p>
+        </p:txBody>
+      </p:sp>
+      <p:sp>
+        <p:nvSpPr>
+          <p:cNvPr id="8" name="TextBox 7"/>
+          <p:cNvSpPr txBox="1"/>
+          <p:nvPr/>
+        </p:nvSpPr>
+        <p:spPr>
+          <a:xfrm>
+            <a:off x="0" y="2844874"/>
+            <a:ext cx="12192000" cy="1569660"/>
+          </a:xfrm>
+          <a:prstGeom prst="rect">
+            <a:avLst/>
+          </a:prstGeom>
+          <a:noFill/>
+        </p:spPr>
+        <p:txBody>
+          <a:bodyPr wrap="square" rtlCol="0">
+            <a:spAutoFit/>
+          </a:bodyPr>
+          <a:lstStyle/>
+          <a:p>
+            <a:pPr algn="ctr"/>
+            <a:r>
+              <a:rPr lang="en-US" sz="9600" dirty="0" smtClean="0"/>
+              <a:t>Q &amp; A</a:t>
+            </a:r>
+            <a:endParaRPr lang="en-US" sz="9600" dirty="0"/>
+          </a:p>
+        </p:txBody>
+      </p:sp>
+    </p:spTree>
+    <p:extLst>
+      <p:ext uri="{BB962C8B-B14F-4D97-AF65-F5344CB8AC3E}">
+        <p14:creationId xmlns:p14="http://schemas.microsoft.com/office/powerpoint/2010/main" val="3424045354"/>
       </p:ext>
     </p:extLst>
   </p:cSld>
